--- a/analysis_workflow.pptx
+++ b/analysis_workflow.pptx
@@ -104,6 +104,11 @@
       </a:defRPr>
     </a:lvl9pPr>
   </p:defaultTextStyle>
+  <p:extLst>
+    <p:ext uri="{EFAFB233-063F-42B5-8137-9DF3F51BA10A}">
+      <p15:sldGuideLst xmlns:p15="http://schemas.microsoft.com/office/powerpoint/2012/main"/>
+    </p:ext>
+  </p:extLst>
 </p:presentation>
 </file>
 
@@ -1106,7 +1111,7 @@
         <a:p>
           <a:r>
             <a:rPr lang="en-US" dirty="0"/>
-            <a:t>hierarchical clustering labelled with all covariates</a:t>
+            <a:t>PCA – color by biological and technical covariates</a:t>
           </a:r>
         </a:p>
       </dgm:t>
@@ -1123,42 +1128,6 @@
       </dgm:t>
     </dgm:pt>
     <dgm:pt modelId="{B822F186-EB85-024B-A1F0-5AF9FBC0EEBA}" type="sibTrans" cxnId="{25169EC3-388D-3147-AC2B-2D4F2618578C}">
-      <dgm:prSet/>
-      <dgm:spPr/>
-      <dgm:t>
-        <a:bodyPr/>
-        <a:lstStyle/>
-        <a:p>
-          <a:endParaRPr lang="en-US"/>
-        </a:p>
-      </dgm:t>
-    </dgm:pt>
-    <dgm:pt modelId="{B371FE80-1DAF-634F-BD15-7AF16FDD56C0}">
-      <dgm:prSet phldrT="[Text]"/>
-      <dgm:spPr/>
-      <dgm:t>
-        <a:bodyPr/>
-        <a:lstStyle/>
-        <a:p>
-          <a:r>
-            <a:rPr lang="en-US" dirty="0"/>
-            <a:t>PCA – color by biological and technical covariates</a:t>
-          </a:r>
-        </a:p>
-      </dgm:t>
-    </dgm:pt>
-    <dgm:pt modelId="{7B6FF0B6-3C98-6F4C-86E5-5EAE0B4F4156}" type="parTrans" cxnId="{49E2C463-9B52-8C4C-BF77-D06246B43C27}">
-      <dgm:prSet/>
-      <dgm:spPr/>
-      <dgm:t>
-        <a:bodyPr/>
-        <a:lstStyle/>
-        <a:p>
-          <a:endParaRPr lang="en-US"/>
-        </a:p>
-      </dgm:t>
-    </dgm:pt>
-    <dgm:pt modelId="{3F143349-4296-6242-A14B-DE3BFF551D9A}" type="sibTrans" cxnId="{49E2C463-9B52-8C4C-BF77-D06246B43C27}">
       <dgm:prSet/>
       <dgm:spPr/>
       <dgm:t>
@@ -1214,7 +1183,7 @@
         <a:p>
           <a:r>
             <a:rPr lang="en-US" dirty="0"/>
-            <a:t>long-to-wide</a:t>
+            <a:t>long-to-wide (OpenSWATH file to wide matrix – features in rows, samples in columns)</a:t>
           </a:r>
         </a:p>
       </dgm:t>
@@ -1241,7 +1210,7 @@
         </a:p>
       </dgm:t>
     </dgm:pt>
-    <dgm:pt modelId="{950E5A32-A198-5843-BB39-044F42BBAE87}">
+    <dgm:pt modelId="{C1B9CA48-1C4F-FF49-9CAD-960C2FE190E8}">
       <dgm:prSet phldrT="[Text]"/>
       <dgm:spPr/>
       <dgm:t>
@@ -1249,46 +1218,13 @@
         <a:lstStyle/>
         <a:p>
           <a:r>
+            <a:rPr lang="en-US" dirty="0" err="1"/>
+            <a:t>iRT</a:t>
+          </a:r>
+          <a:r>
             <a:rPr lang="en-US" dirty="0"/>
-            <a:t>boxplots</a:t>
+            <a:t> peptides</a:t>
           </a:r>
-        </a:p>
-      </dgm:t>
-    </dgm:pt>
-    <dgm:pt modelId="{B837BD3F-5AC8-D54E-AA99-8B43AA0AA3F9}" type="parTrans" cxnId="{ECA527FF-56B4-5841-948B-FEF1D6ED254F}">
-      <dgm:prSet/>
-      <dgm:spPr/>
-      <dgm:t>
-        <a:bodyPr/>
-        <a:lstStyle/>
-        <a:p>
-          <a:endParaRPr lang="en-US"/>
-        </a:p>
-      </dgm:t>
-    </dgm:pt>
-    <dgm:pt modelId="{79A92C0A-1E22-FD41-9AF4-19BA7FADEED3}" type="sibTrans" cxnId="{ECA527FF-56B4-5841-948B-FEF1D6ED254F}">
-      <dgm:prSet/>
-      <dgm:spPr/>
-      <dgm:t>
-        <a:bodyPr/>
-        <a:lstStyle/>
-        <a:p>
-          <a:endParaRPr lang="en-US"/>
-        </a:p>
-      </dgm:t>
-    </dgm:pt>
-    <dgm:pt modelId="{C1B9CA48-1C4F-FF49-9CAD-960C2FE190E8}">
-      <dgm:prSet phldrT="[Text]"/>
-      <dgm:spPr/>
-      <dgm:t>
-        <a:bodyPr/>
-        <a:lstStyle/>
-        <a:p>
-          <a:r>
-            <a:rPr lang="en-US" dirty="0" err="1"/>
-            <a:t>iRTs</a:t>
-          </a:r>
-          <a:endParaRPr lang="en-US" dirty="0"/>
         </a:p>
       </dgm:t>
     </dgm:pt>
@@ -1737,6 +1673,91 @@
         </a:p>
       </dgm:t>
     </dgm:pt>
+    <dgm:pt modelId="{A55FE50C-123C-E049-A44D-20E52E184D9F}">
+      <dgm:prSet phldrT="[Text]"/>
+      <dgm:spPr/>
+      <dgm:t>
+        <a:bodyPr/>
+        <a:lstStyle/>
+        <a:p>
+          <a:r>
+            <a:rPr lang="en-US" dirty="0"/>
+            <a:t>replicate diagnostics</a:t>
+          </a:r>
+        </a:p>
+      </dgm:t>
+    </dgm:pt>
+    <dgm:pt modelId="{1DA7DAA5-9358-FE4E-A1B7-0008D5E5E011}" type="parTrans" cxnId="{7C7D6F82-2C4B-DC49-905A-1B42C28B20C9}">
+      <dgm:prSet/>
+      <dgm:spPr/>
+    </dgm:pt>
+    <dgm:pt modelId="{88A3AD26-FB02-2B42-B223-75C7E549CFA2}" type="sibTrans" cxnId="{7C7D6F82-2C4B-DC49-905A-1B42C28B20C9}">
+      <dgm:prSet/>
+      <dgm:spPr/>
+    </dgm:pt>
+    <dgm:pt modelId="{ECDB7304-C8F7-704F-BA81-D6771911088A}">
+      <dgm:prSet/>
+      <dgm:spPr/>
+      <dgm:t>
+        <a:bodyPr/>
+        <a:lstStyle/>
+        <a:p>
+          <a:r>
+            <a:rPr lang="en-US"/>
+            <a:t>boxplots</a:t>
+          </a:r>
+          <a:endParaRPr lang="en-US" dirty="0"/>
+        </a:p>
+      </dgm:t>
+    </dgm:pt>
+    <dgm:pt modelId="{24A51B59-6413-5B4E-850D-41D69F0A6171}" type="parTrans" cxnId="{AA7E0562-656E-B149-B307-0A97EF45484E}">
+      <dgm:prSet/>
+      <dgm:spPr/>
+      <dgm:t>
+        <a:bodyPr/>
+        <a:lstStyle/>
+        <a:p>
+          <a:endParaRPr lang="en-US"/>
+        </a:p>
+      </dgm:t>
+    </dgm:pt>
+    <dgm:pt modelId="{FEAD75AF-D19F-214A-BBAE-B7C89D808AFE}" type="sibTrans" cxnId="{AA7E0562-656E-B149-B307-0A97EF45484E}">
+      <dgm:prSet/>
+      <dgm:spPr/>
+      <dgm:t>
+        <a:bodyPr/>
+        <a:lstStyle/>
+        <a:p>
+          <a:endParaRPr lang="en-US"/>
+        </a:p>
+      </dgm:t>
+    </dgm:pt>
+    <dgm:pt modelId="{6BFE4E70-86CC-C140-81B8-8239414F85C6}">
+      <dgm:prSet phldrT="[Text]"/>
+      <dgm:spPr/>
+      <dgm:t>
+        <a:bodyPr/>
+        <a:lstStyle/>
+        <a:p>
+          <a:r>
+            <a:rPr lang="en-US" dirty="0" err="1"/>
+            <a:t>hierarchica</a:t>
+          </a:r>
+          <a:r>
+            <a:rPr lang="en-US" dirty="0"/>
+            <a:t> clustering of peptides labelled with all covariates</a:t>
+          </a:r>
+        </a:p>
+      </dgm:t>
+    </dgm:pt>
+    <dgm:pt modelId="{0AA7214F-5223-FC47-A966-95D1D1469014}" type="parTrans" cxnId="{89FACBB2-7DA0-1D43-9BD8-5E189F3C0972}">
+      <dgm:prSet/>
+      <dgm:spPr/>
+    </dgm:pt>
+    <dgm:pt modelId="{99185B62-011D-D84D-8DA2-B3B8829D4E46}" type="sibTrans" cxnId="{89FACBB2-7DA0-1D43-9BD8-5E189F3C0972}">
+      <dgm:prSet/>
+      <dgm:spPr/>
+    </dgm:pt>
     <dgm:pt modelId="{0CE2AC1B-D7A5-BF46-857D-A01D0D632DD3}" type="pres">
       <dgm:prSet presAssocID="{A91AE0F2-2B13-474E-AD63-BFCFC24F59E4}" presName="linearFlow" presStyleCnt="0">
         <dgm:presLayoutVars>
@@ -1872,51 +1893,53 @@
   <dgm:cxnLst>
     <dgm:cxn modelId="{53570B17-E8C2-1547-A74A-5650E921AF24}" type="presOf" srcId="{72C9D084-E75D-A24C-95B1-2076D1353447}" destId="{1C4A718E-9DFC-C045-95DB-E9F131B124DD}" srcOrd="0" destOrd="0" presId="urn:microsoft.com/office/officeart/2005/8/layout/chevron2"/>
     <dgm:cxn modelId="{ABCFF31D-A919-C94A-B1BC-9CB6862D21AF}" type="presOf" srcId="{F4155328-1C78-1E49-89E0-78C6F6FF3FBC}" destId="{BB2EF50B-CBDE-4046-A6ED-67D2DD46B61B}" srcOrd="0" destOrd="0" presId="urn:microsoft.com/office/officeart/2005/8/layout/chevron2"/>
-    <dgm:cxn modelId="{9C154C21-110E-F547-9610-00EF01EE1575}" type="presOf" srcId="{18C3DD70-B87F-3740-86A0-2530FBAE517A}" destId="{0573F6DF-1C47-B84D-91A7-01EEDB569961}" srcOrd="0" destOrd="4" presId="urn:microsoft.com/office/officeart/2005/8/layout/chevron2"/>
+    <dgm:cxn modelId="{9C154C21-110E-F547-9610-00EF01EE1575}" type="presOf" srcId="{18C3DD70-B87F-3740-86A0-2530FBAE517A}" destId="{0573F6DF-1C47-B84D-91A7-01EEDB569961}" srcOrd="0" destOrd="3" presId="urn:microsoft.com/office/officeart/2005/8/layout/chevron2"/>
     <dgm:cxn modelId="{3243F426-8C60-1742-8F5E-03556D40DA1F}" srcId="{A9EA6972-208B-4A46-8A65-823FF2E1FB5A}" destId="{20B8EB1B-151A-7241-82D5-E71A8DCF51A5}" srcOrd="0" destOrd="0" parTransId="{D55561C7-9FE8-FB48-AE64-0D5ABE783CA9}" sibTransId="{0920F925-A0A3-EB4A-A2B5-03CEC89C1F25}"/>
     <dgm:cxn modelId="{4F46A429-B08C-F442-83D6-F96071A054DA}" type="presOf" srcId="{B1CEC798-D8AB-6C49-8F34-0EBB98BF484A}" destId="{3B6A629F-2AD9-BB40-BA37-3CB235F7280E}" srcOrd="0" destOrd="1" presId="urn:microsoft.com/office/officeart/2005/8/layout/chevron2"/>
     <dgm:cxn modelId="{1D48BB31-A906-8F4E-B6C5-4618BC754C96}" srcId="{BE740A3F-E048-AD40-B3C4-59F94C6C0459}" destId="{92BB7793-1FB1-3E4A-B124-12247C1FEC83}" srcOrd="0" destOrd="0" parTransId="{75BBA5C7-086F-B34C-9368-A175C07083C0}" sibTransId="{D73A1D64-96B3-744D-B950-E4B11A2BDA98}"/>
+    <dgm:cxn modelId="{80F1D932-9D56-5546-8CAC-EA5E06A68A05}" type="presOf" srcId="{ECDB7304-C8F7-704F-BA81-D6771911088A}" destId="{BB2EF50B-CBDE-4046-A6ED-67D2DD46B61B}" srcOrd="0" destOrd="1" presId="urn:microsoft.com/office/officeart/2005/8/layout/chevron2"/>
     <dgm:cxn modelId="{99036134-2798-3D47-ABA8-2667CA772447}" type="presOf" srcId="{BE740A3F-E048-AD40-B3C4-59F94C6C0459}" destId="{19106CFF-8BC1-9B4D-B81F-5F65A3F5B87D}" srcOrd="0" destOrd="0" presId="urn:microsoft.com/office/officeart/2005/8/layout/chevron2"/>
     <dgm:cxn modelId="{053DAF34-A976-1D44-988A-ACF421F9DDC4}" type="presOf" srcId="{265D929C-6AA9-7C46-B503-A7437274C910}" destId="{3B6A629F-2AD9-BB40-BA37-3CB235F7280E}" srcOrd="0" destOrd="2" presId="urn:microsoft.com/office/officeart/2005/8/layout/chevron2"/>
     <dgm:cxn modelId="{DF616F37-F712-1C4B-87CF-52537616341E}" srcId="{A9EA6972-208B-4A46-8A65-823FF2E1FB5A}" destId="{B324B886-1F60-D64C-A43D-B082C5BB13DE}" srcOrd="1" destOrd="0" parTransId="{35C6C18E-FD30-734F-A56B-4BD96A0A54F8}" sibTransId="{A379B4BC-B4FD-AB40-9F41-8683E9E9AF2F}"/>
     <dgm:cxn modelId="{D2EF1941-B828-484F-A629-EAC0AEAC0DF8}" type="presOf" srcId="{C0B292C6-D54C-3A4C-92CB-DAE2120AC75B}" destId="{6630A0C0-ADA7-FB44-9F6E-6EA37753324E}" srcOrd="0" destOrd="0" presId="urn:microsoft.com/office/officeart/2005/8/layout/chevron2"/>
-    <dgm:cxn modelId="{9DF8FF52-9DD2-B248-AF46-582A757E18A7}" type="presOf" srcId="{0E97A965-8F89-AC4B-9922-05A73AFB3C2F}" destId="{0573F6DF-1C47-B84D-91A7-01EEDB569961}" srcOrd="0" destOrd="3" presId="urn:microsoft.com/office/officeart/2005/8/layout/chevron2"/>
+    <dgm:cxn modelId="{9DF8FF52-9DD2-B248-AF46-582A757E18A7}" type="presOf" srcId="{0E97A965-8F89-AC4B-9922-05A73AFB3C2F}" destId="{0573F6DF-1C47-B84D-91A7-01EEDB569961}" srcOrd="0" destOrd="2" presId="urn:microsoft.com/office/officeart/2005/8/layout/chevron2"/>
     <dgm:cxn modelId="{8B1B7155-4158-6245-B715-0C06FCCD9372}" srcId="{862A3A97-A01C-7047-AEC4-41EC324B8A86}" destId="{DC906325-D22D-1E41-BF98-E3AD2CB052AC}" srcOrd="1" destOrd="0" parTransId="{4EB2FAA1-D33E-984D-9318-730B05DF744E}" sibTransId="{21E65D5D-B7FA-994A-BF7D-A56F8D455F8A}"/>
     <dgm:cxn modelId="{7A7FC358-F0CA-D947-A4A3-05ED41674F1C}" type="presOf" srcId="{862A3A97-A01C-7047-AEC4-41EC324B8A86}" destId="{4596BC6A-A0CF-124F-B664-9CFA45AFA7FD}" srcOrd="0" destOrd="0" presId="urn:microsoft.com/office/officeart/2005/8/layout/chevron2"/>
-    <dgm:cxn modelId="{1C23D458-80B0-B743-86A5-415417999790}" srcId="{72C9D084-E75D-A24C-95B1-2076D1353447}" destId="{F7EF6F55-AA5F-9547-9C08-4328924C2846}" srcOrd="1" destOrd="0" parTransId="{FCB082EA-B262-4545-B5C4-198EF50F6CCC}" sibTransId="{1E6B5A55-8474-EA4E-B6CB-37A450E50B9D}"/>
-    <dgm:cxn modelId="{5D997B5B-426B-C946-9B79-9D252D2143AC}" srcId="{C0B292C6-D54C-3A4C-92CB-DAE2120AC75B}" destId="{18C3DD70-B87F-3740-86A0-2530FBAE517A}" srcOrd="4" destOrd="0" parTransId="{843648F6-A6CE-6E48-98FF-DB69399F92BE}" sibTransId="{BAB0E72F-ADF8-4A43-AB1B-CA965B602AC1}"/>
-    <dgm:cxn modelId="{B84F8E5D-ABD0-864E-AC38-C6B907E1E4D0}" type="presOf" srcId="{C1B9CA48-1C4F-FF49-9CAD-960C2FE190E8}" destId="{BB2EF50B-CBDE-4046-A6ED-67D2DD46B61B}" srcOrd="0" destOrd="3" presId="urn:microsoft.com/office/officeart/2005/8/layout/chevron2"/>
+    <dgm:cxn modelId="{1C23D458-80B0-B743-86A5-415417999790}" srcId="{72C9D084-E75D-A24C-95B1-2076D1353447}" destId="{F7EF6F55-AA5F-9547-9C08-4328924C2846}" srcOrd="3" destOrd="0" parTransId="{FCB082EA-B262-4545-B5C4-198EF50F6CCC}" sibTransId="{1E6B5A55-8474-EA4E-B6CB-37A450E50B9D}"/>
+    <dgm:cxn modelId="{5D997B5B-426B-C946-9B79-9D252D2143AC}" srcId="{C0B292C6-D54C-3A4C-92CB-DAE2120AC75B}" destId="{18C3DD70-B87F-3740-86A0-2530FBAE517A}" srcOrd="3" destOrd="0" parTransId="{843648F6-A6CE-6E48-98FF-DB69399F92BE}" sibTransId="{BAB0E72F-ADF8-4A43-AB1B-CA965B602AC1}"/>
+    <dgm:cxn modelId="{B84F8E5D-ABD0-864E-AC38-C6B907E1E4D0}" type="presOf" srcId="{C1B9CA48-1C4F-FF49-9CAD-960C2FE190E8}" destId="{BB2EF50B-CBDE-4046-A6ED-67D2DD46B61B}" srcOrd="0" destOrd="4" presId="urn:microsoft.com/office/officeart/2005/8/layout/chevron2"/>
     <dgm:cxn modelId="{610EF660-88B0-4F4D-BD21-6574C836F5B0}" type="presOf" srcId="{3C6BF953-D3FA-3047-807E-629D5439F361}" destId="{F6380528-4B94-434F-B830-9E867787A05B}" srcOrd="0" destOrd="2" presId="urn:microsoft.com/office/officeart/2005/8/layout/chevron2"/>
-    <dgm:cxn modelId="{3C822862-D115-E94B-8F62-1AF39F110DC3}" srcId="{72C9D084-E75D-A24C-95B1-2076D1353447}" destId="{C1B9CA48-1C4F-FF49-9CAD-960C2FE190E8}" srcOrd="3" destOrd="0" parTransId="{CC184258-C972-6F47-9C3F-8BD17CB58608}" sibTransId="{E2B204BD-F6CF-C44E-A16B-A9640AE5797C}"/>
-    <dgm:cxn modelId="{49E2C463-9B52-8C4C-BF77-D06246B43C27}" srcId="{C0B292C6-D54C-3A4C-92CB-DAE2120AC75B}" destId="{B371FE80-1DAF-634F-BD15-7AF16FDD56C0}" srcOrd="1" destOrd="0" parTransId="{7B6FF0B6-3C98-6F4C-86E5-5EAE0B4F4156}" sibTransId="{3F143349-4296-6242-A14B-DE3BFF551D9A}"/>
+    <dgm:cxn modelId="{AA7E0562-656E-B149-B307-0A97EF45484E}" srcId="{72C9D084-E75D-A24C-95B1-2076D1353447}" destId="{ECDB7304-C8F7-704F-BA81-D6771911088A}" srcOrd="1" destOrd="0" parTransId="{24A51B59-6413-5B4E-850D-41D69F0A6171}" sibTransId="{FEAD75AF-D19F-214A-BBAE-B7C89D808AFE}"/>
+    <dgm:cxn modelId="{3C822862-D115-E94B-8F62-1AF39F110DC3}" srcId="{72C9D084-E75D-A24C-95B1-2076D1353447}" destId="{C1B9CA48-1C4F-FF49-9CAD-960C2FE190E8}" srcOrd="4" destOrd="0" parTransId="{CC184258-C972-6F47-9C3F-8BD17CB58608}" sibTransId="{E2B204BD-F6CF-C44E-A16B-A9640AE5797C}"/>
     <dgm:cxn modelId="{DDED1464-1AF6-B14E-B3EE-7A20BADAEE6B}" srcId="{A91AE0F2-2B13-474E-AD63-BFCFC24F59E4}" destId="{A9EA6972-208B-4A46-8A65-823FF2E1FB5A}" srcOrd="0" destOrd="0" parTransId="{A1AADBA4-A4D7-074B-9808-B722DFC15475}" sibTransId="{53985821-8794-9545-9675-51EC6049E67E}"/>
-    <dgm:cxn modelId="{3DA17070-7020-1B46-8B52-3A717D00F743}" srcId="{C0B292C6-D54C-3A4C-92CB-DAE2120AC75B}" destId="{8B148BF9-0B43-5A4B-BAE5-5B020C2F9E80}" srcOrd="2" destOrd="0" parTransId="{EC792B36-2FD8-634A-8E71-7D2B117A678A}" sibTransId="{9B802702-9801-BC47-A4D6-AFE6E9F48FC9}"/>
+    <dgm:cxn modelId="{3DA17070-7020-1B46-8B52-3A717D00F743}" srcId="{C0B292C6-D54C-3A4C-92CB-DAE2120AC75B}" destId="{8B148BF9-0B43-5A4B-BAE5-5B020C2F9E80}" srcOrd="1" destOrd="0" parTransId="{EC792B36-2FD8-634A-8E71-7D2B117A678A}" sibTransId="{9B802702-9801-BC47-A4D6-AFE6E9F48FC9}"/>
     <dgm:cxn modelId="{0C88D371-086B-FF4C-BADA-1BB2CB81425A}" srcId="{A91AE0F2-2B13-474E-AD63-BFCFC24F59E4}" destId="{72C9D084-E75D-A24C-95B1-2076D1353447}" srcOrd="1" destOrd="0" parTransId="{11F80446-92CE-2042-9627-01B4CA131590}" sibTransId="{BE42A2E4-B864-B94A-8ADA-8F73E8184CB4}"/>
     <dgm:cxn modelId="{18DF9675-156C-F743-BB03-20784668F617}" type="presOf" srcId="{486B7EA5-257C-1240-9BF8-3D3928203370}" destId="{8C307CF3-7F32-5440-B132-DAE96AB1BD5F}" srcOrd="0" destOrd="2" presId="urn:microsoft.com/office/officeart/2005/8/layout/chevron2"/>
     <dgm:cxn modelId="{B16B7578-8ED8-0142-A7DA-DF88C50D780F}" type="presOf" srcId="{B324B886-1F60-D64C-A43D-B082C5BB13DE}" destId="{F6380528-4B94-434F-B830-9E867787A05B}" srcOrd="0" destOrd="1" presId="urn:microsoft.com/office/officeart/2005/8/layout/chevron2"/>
     <dgm:cxn modelId="{26A0DD7F-FF4B-7546-BD94-C2DD49343772}" type="presOf" srcId="{DC906325-D22D-1E41-BF98-E3AD2CB052AC}" destId="{8C307CF3-7F32-5440-B132-DAE96AB1BD5F}" srcOrd="0" destOrd="1" presId="urn:microsoft.com/office/officeart/2005/8/layout/chevron2"/>
-    <dgm:cxn modelId="{553CD386-867E-604C-B0F0-F50E0A643495}" type="presOf" srcId="{8B148BF9-0B43-5A4B-BAE5-5B020C2F9E80}" destId="{0573F6DF-1C47-B84D-91A7-01EEDB569961}" srcOrd="0" destOrd="2" presId="urn:microsoft.com/office/officeart/2005/8/layout/chevron2"/>
+    <dgm:cxn modelId="{7C7D6F82-2C4B-DC49-905A-1B42C28B20C9}" srcId="{72C9D084-E75D-A24C-95B1-2076D1353447}" destId="{A55FE50C-123C-E049-A44D-20E52E184D9F}" srcOrd="5" destOrd="0" parTransId="{1DA7DAA5-9358-FE4E-A1B7-0008D5E5E011}" sibTransId="{88A3AD26-FB02-2B42-B223-75C7E549CFA2}"/>
+    <dgm:cxn modelId="{553CD386-867E-604C-B0F0-F50E0A643495}" type="presOf" srcId="{8B148BF9-0B43-5A4B-BAE5-5B020C2F9E80}" destId="{0573F6DF-1C47-B84D-91A7-01EEDB569961}" srcOrd="0" destOrd="1" presId="urn:microsoft.com/office/officeart/2005/8/layout/chevron2"/>
     <dgm:cxn modelId="{D7CB0587-8AA1-8C4C-8B6E-3022A53C0FA0}" srcId="{DC906325-D22D-1E41-BF98-E3AD2CB052AC}" destId="{486B7EA5-257C-1240-9BF8-3D3928203370}" srcOrd="0" destOrd="0" parTransId="{BEBC8C91-083C-E649-87D4-DD72B7136C95}" sibTransId="{FFC8229F-5801-8D42-A596-64307F2B63DA}"/>
     <dgm:cxn modelId="{2334CC8B-35BB-A343-80BE-80CDA7588A58}" type="presOf" srcId="{20B8EB1B-151A-7241-82D5-E71A8DCF51A5}" destId="{F6380528-4B94-434F-B830-9E867787A05B}" srcOrd="0" destOrd="0" presId="urn:microsoft.com/office/officeart/2005/8/layout/chevron2"/>
     <dgm:cxn modelId="{EB81CE8F-0815-7549-80EF-F75791EAE76D}" type="presOf" srcId="{A91AE0F2-2B13-474E-AD63-BFCFC24F59E4}" destId="{0CE2AC1B-D7A5-BF46-857D-A01D0D632DD3}" srcOrd="0" destOrd="0" presId="urn:microsoft.com/office/officeart/2005/8/layout/chevron2"/>
-    <dgm:cxn modelId="{D7875691-AF47-6F4D-A1BB-CE730E9A2D63}" type="presOf" srcId="{B371FE80-1DAF-634F-BD15-7AF16FDD56C0}" destId="{0573F6DF-1C47-B84D-91A7-01EEDB569961}" srcOrd="0" destOrd="1" presId="urn:microsoft.com/office/officeart/2005/8/layout/chevron2"/>
     <dgm:cxn modelId="{8B6ADD91-8489-F641-B2EF-1C5BCE661FAE}" srcId="{BE740A3F-E048-AD40-B3C4-59F94C6C0459}" destId="{B1CEC798-D8AB-6C49-8F34-0EBB98BF484A}" srcOrd="1" destOrd="0" parTransId="{64587907-4CC9-F441-A117-42DB3B83F759}" sibTransId="{71E54D8B-1946-C64E-8BC2-885F9F871611}"/>
-    <dgm:cxn modelId="{ACC46993-F05B-2742-BB76-377662B3BB59}" srcId="{C0B292C6-D54C-3A4C-92CB-DAE2120AC75B}" destId="{0E97A965-8F89-AC4B-9922-05A73AFB3C2F}" srcOrd="3" destOrd="0" parTransId="{A4F84D45-1630-A94D-B6C5-D0888A795329}" sibTransId="{6557543F-E238-9340-9F6F-703CF82DF694}"/>
+    <dgm:cxn modelId="{ACC46993-F05B-2742-BB76-377662B3BB59}" srcId="{C0B292C6-D54C-3A4C-92CB-DAE2120AC75B}" destId="{0E97A965-8F89-AC4B-9922-05A73AFB3C2F}" srcOrd="2" destOrd="0" parTransId="{A4F84D45-1630-A94D-B6C5-D0888A795329}" sibTransId="{6557543F-E238-9340-9F6F-703CF82DF694}"/>
     <dgm:cxn modelId="{89448F93-BC73-6B41-AE71-4A5B1BD82269}" srcId="{BE740A3F-E048-AD40-B3C4-59F94C6C0459}" destId="{265D929C-6AA9-7C46-B503-A7437274C910}" srcOrd="2" destOrd="0" parTransId="{14E4F062-777B-CC4E-956E-47FBF6D1C6AA}" sibTransId="{37D53DA1-0906-354A-B6B1-6338229331DC}"/>
-    <dgm:cxn modelId="{E3679595-91C6-594B-AA58-FFFD94BE15EB}" type="presOf" srcId="{F7EF6F55-AA5F-9547-9C08-4328924C2846}" destId="{BB2EF50B-CBDE-4046-A6ED-67D2DD46B61B}" srcOrd="0" destOrd="1" presId="urn:microsoft.com/office/officeart/2005/8/layout/chevron2"/>
+    <dgm:cxn modelId="{E3679595-91C6-594B-AA58-FFFD94BE15EB}" type="presOf" srcId="{F7EF6F55-AA5F-9547-9C08-4328924C2846}" destId="{BB2EF50B-CBDE-4046-A6ED-67D2DD46B61B}" srcOrd="0" destOrd="3" presId="urn:microsoft.com/office/officeart/2005/8/layout/chevron2"/>
     <dgm:cxn modelId="{09311099-7A04-BF47-B14F-37766F4EAA7B}" srcId="{A9EA6972-208B-4A46-8A65-823FF2E1FB5A}" destId="{3C6BF953-D3FA-3047-807E-629D5439F361}" srcOrd="2" destOrd="0" parTransId="{54062088-2B44-0043-A049-1E5E8B6C67F7}" sibTransId="{50CCD0BD-2F86-ED41-ACDF-87669D539180}"/>
+    <dgm:cxn modelId="{B5D8EC9A-980F-5D4F-8357-EFEEB4C55B8B}" type="presOf" srcId="{A55FE50C-123C-E049-A44D-20E52E184D9F}" destId="{BB2EF50B-CBDE-4046-A6ED-67D2DD46B61B}" srcOrd="0" destOrd="5" presId="urn:microsoft.com/office/officeart/2005/8/layout/chevron2"/>
     <dgm:cxn modelId="{C93EC59F-5011-3547-9DA2-A1FA85B89039}" type="presOf" srcId="{82D6978B-C330-D548-B148-450BBFB58A87}" destId="{8C307CF3-7F32-5440-B132-DAE96AB1BD5F}" srcOrd="0" destOrd="0" presId="urn:microsoft.com/office/officeart/2005/8/layout/chevron2"/>
     <dgm:cxn modelId="{DE91BEAA-4E6E-1F41-9D04-CF09409AC7CA}" srcId="{862A3A97-A01C-7047-AEC4-41EC324B8A86}" destId="{82D6978B-C330-D548-B148-450BBFB58A87}" srcOrd="0" destOrd="0" parTransId="{38224204-2BF1-C941-9986-B9A0FDFA4B73}" sibTransId="{88154F63-EDA3-944A-AC1D-699452A47C74}"/>
+    <dgm:cxn modelId="{89FACBB2-7DA0-1D43-9BD8-5E189F3C0972}" srcId="{72C9D084-E75D-A24C-95B1-2076D1353447}" destId="{6BFE4E70-86CC-C140-81B8-8239414F85C6}" srcOrd="2" destOrd="0" parTransId="{0AA7214F-5223-FC47-A966-95D1D1469014}" sibTransId="{99185B62-011D-D84D-8DA2-B3B8829D4E46}"/>
     <dgm:cxn modelId="{1138A8B7-4287-D24E-BE4A-3037B87D0E34}" srcId="{A91AE0F2-2B13-474E-AD63-BFCFC24F59E4}" destId="{C0B292C6-D54C-3A4C-92CB-DAE2120AC75B}" srcOrd="2" destOrd="0" parTransId="{32A01490-78D4-A045-8830-2FBD458D91D9}" sibTransId="{6581669C-C58C-7E45-A8DE-C3EEC9F9D3B0}"/>
-    <dgm:cxn modelId="{DB657DB9-E04D-994D-9020-E5484AEAAB9D}" type="presOf" srcId="{950E5A32-A198-5843-BB39-044F42BBAE87}" destId="{BB2EF50B-CBDE-4046-A6ED-67D2DD46B61B}" srcOrd="0" destOrd="2" presId="urn:microsoft.com/office/officeart/2005/8/layout/chevron2"/>
     <dgm:cxn modelId="{25169EC3-388D-3147-AC2B-2D4F2618578C}" srcId="{C0B292C6-D54C-3A4C-92CB-DAE2120AC75B}" destId="{9A8B0074-3DE8-B34F-A440-9B26FFFF2B46}" srcOrd="0" destOrd="0" parTransId="{50EA0608-068F-BF40-A4DF-953EB271D5FE}" sibTransId="{B822F186-EB85-024B-A1F0-5AF9FBC0EEBA}"/>
     <dgm:cxn modelId="{DAD4ADD2-82D5-8840-85A0-69E3F085ADC8}" type="presOf" srcId="{A9EA6972-208B-4A46-8A65-823FF2E1FB5A}" destId="{08005BAB-A7AE-FE46-99EE-066AE4F934AA}" srcOrd="0" destOrd="0" presId="urn:microsoft.com/office/officeart/2005/8/layout/chevron2"/>
     <dgm:cxn modelId="{D06FABD6-97FF-314F-9653-193D55A6020A}" srcId="{A91AE0F2-2B13-474E-AD63-BFCFC24F59E4}" destId="{862A3A97-A01C-7047-AEC4-41EC324B8A86}" srcOrd="3" destOrd="0" parTransId="{51D2DAE8-9670-5346-87C0-B98930351864}" sibTransId="{1B02959A-BF58-C54F-80B6-39B846CF7CC9}"/>
     <dgm:cxn modelId="{F362A6D8-6C13-2440-9CFC-1D23C5FCE0B1}" srcId="{72C9D084-E75D-A24C-95B1-2076D1353447}" destId="{F4155328-1C78-1E49-89E0-78C6F6FF3FBC}" srcOrd="0" destOrd="0" parTransId="{E29FE9DB-65BD-EC4F-9FE0-76851F606D44}" sibTransId="{F5A9301E-28B7-8946-8C69-0374091CA5EE}"/>
+    <dgm:cxn modelId="{DE67B2DC-4D6C-F744-8D42-71EBFA7B0805}" type="presOf" srcId="{6BFE4E70-86CC-C140-81B8-8239414F85C6}" destId="{BB2EF50B-CBDE-4046-A6ED-67D2DD46B61B}" srcOrd="0" destOrd="2" presId="urn:microsoft.com/office/officeart/2005/8/layout/chevron2"/>
     <dgm:cxn modelId="{8DE3D6E2-BD47-CC41-A903-A02110A3D641}" type="presOf" srcId="{92BB7793-1FB1-3E4A-B124-12247C1FEC83}" destId="{3B6A629F-2AD9-BB40-BA37-3CB235F7280E}" srcOrd="0" destOrd="0" presId="urn:microsoft.com/office/officeart/2005/8/layout/chevron2"/>
     <dgm:cxn modelId="{DDE173F2-EF57-3242-A59A-6A1304FA9128}" type="presOf" srcId="{9A8B0074-3DE8-B34F-A440-9B26FFFF2B46}" destId="{0573F6DF-1C47-B84D-91A7-01EEDB569961}" srcOrd="0" destOrd="0" presId="urn:microsoft.com/office/officeart/2005/8/layout/chevron2"/>
     <dgm:cxn modelId="{9C176EF4-0C76-6145-8972-C3A4C3669F7C}" srcId="{A91AE0F2-2B13-474E-AD63-BFCFC24F59E4}" destId="{BE740A3F-E048-AD40-B3C4-59F94C6C0459}" srcOrd="4" destOrd="0" parTransId="{4695E10C-B14B-0B40-BC52-73002ABCB4D6}" sibTransId="{850A777A-A26C-4246-B3CC-342D5008D9B5}"/>
-    <dgm:cxn modelId="{ECA527FF-56B4-5841-948B-FEF1D6ED254F}" srcId="{72C9D084-E75D-A24C-95B1-2076D1353447}" destId="{950E5A32-A198-5843-BB39-044F42BBAE87}" srcOrd="2" destOrd="0" parTransId="{B837BD3F-5AC8-D54E-AA99-8B43AA0AA3F9}" sibTransId="{79A92C0A-1E22-FD41-9AF4-19BA7FADEED3}"/>
     <dgm:cxn modelId="{AB46392B-7EB5-EF4E-83CB-3511B69CF411}" type="presParOf" srcId="{0CE2AC1B-D7A5-BF46-857D-A01D0D632DD3}" destId="{721F58BB-E1DF-9847-8915-AD2E3E0BAB91}" srcOrd="0" destOrd="0" presId="urn:microsoft.com/office/officeart/2005/8/layout/chevron2"/>
     <dgm:cxn modelId="{30A763F9-EEB0-1648-9A83-AE00ADCFC9A2}" type="presParOf" srcId="{721F58BB-E1DF-9847-8915-AD2E3E0BAB91}" destId="{08005BAB-A7AE-FE46-99EE-066AE4F934AA}" srcOrd="0" destOrd="0" presId="urn:microsoft.com/office/officeart/2005/8/layout/chevron2"/>
     <dgm:cxn modelId="{2D48CEC5-4FDB-A245-9EDC-D9A0767FCA4D}" type="presParOf" srcId="{721F58BB-E1DF-9847-8915-AD2E3E0BAB91}" destId="{F6380528-4B94-434F-B830-9E867787A05B}" srcOrd="1" destOrd="0" presId="urn:microsoft.com/office/officeart/2005/8/layout/chevron2"/>
@@ -2082,12 +2105,12 @@
         <a:fontRef idx="minor"/>
       </dsp:style>
       <dsp:txBody>
-        <a:bodyPr spcFirstLastPara="0" vert="horz" wrap="square" lIns="64008" tIns="5715" rIns="5715" bIns="5715" numCol="1" spcCol="1270" anchor="ctr" anchorCtr="0">
+        <a:bodyPr spcFirstLastPara="0" vert="horz" wrap="square" lIns="49784" tIns="4445" rIns="4445" bIns="4445" numCol="1" spcCol="1270" anchor="ctr" anchorCtr="0">
           <a:noAutofit/>
         </a:bodyPr>
         <a:lstStyle/>
         <a:p>
-          <a:pPr marL="57150" lvl="1" indent="-57150" algn="l" defTabSz="400050">
+          <a:pPr marL="57150" lvl="1" indent="-57150" algn="l" defTabSz="311150">
             <a:lnSpc>
               <a:spcPct val="90000"/>
             </a:lnSpc>
@@ -2100,12 +2123,12 @@
             <a:buChar char="•"/>
           </a:pPr>
           <a:r>
-            <a:rPr lang="en-US" sz="900" kern="1200" dirty="0"/>
-            <a:t>long-to-wide</a:t>
+            <a:rPr lang="en-US" sz="700" kern="1200" dirty="0"/>
+            <a:t>long-to-wide (OpenSWATH file to wide matrix – features in rows, samples in columns)</a:t>
           </a:r>
         </a:p>
         <a:p>
-          <a:pPr marL="57150" lvl="1" indent="-57150" algn="l" defTabSz="400050">
+          <a:pPr marL="57150" lvl="1" indent="-57150" algn="l" defTabSz="311150">
             <a:lnSpc>
               <a:spcPct val="90000"/>
             </a:lnSpc>
@@ -2118,12 +2141,12 @@
             <a:buChar char="•"/>
           </a:pPr>
           <a:r>
-            <a:rPr lang="en-US" sz="900" kern="1200" dirty="0"/>
+            <a:rPr lang="en-US" sz="700" kern="1200" dirty="0"/>
             <a:t>log-transform</a:t>
           </a:r>
         </a:p>
         <a:p>
-          <a:pPr marL="57150" lvl="1" indent="-57150" algn="l" defTabSz="400050">
+          <a:pPr marL="57150" lvl="1" indent="-57150" algn="l" defTabSz="311150">
             <a:lnSpc>
               <a:spcPct val="90000"/>
             </a:lnSpc>
@@ -2136,14 +2159,14 @@
             <a:buChar char="•"/>
           </a:pPr>
           <a:r>
-            <a:rPr lang="en-US" sz="900" kern="1200" dirty="0"/>
+            <a:rPr lang="en-US" sz="700" kern="1200" dirty="0"/>
             <a:t>Remove </a:t>
           </a:r>
           <a:r>
-            <a:rPr lang="en-US" sz="900" kern="1200" dirty="0" err="1"/>
+            <a:rPr lang="en-US" sz="700" kern="1200" dirty="0" err="1"/>
             <a:t>requants</a:t>
           </a:r>
-          <a:endParaRPr lang="en-US" sz="900" kern="1200" dirty="0"/>
+          <a:endParaRPr lang="en-US" sz="700" kern="1200" dirty="0"/>
         </a:p>
       </dsp:txBody>
       <dsp:txXfrm rot="-5400000">
@@ -2278,12 +2301,12 @@
         <a:fontRef idx="minor"/>
       </dsp:style>
       <dsp:txBody>
-        <a:bodyPr spcFirstLastPara="0" vert="horz" wrap="square" lIns="64008" tIns="5715" rIns="5715" bIns="5715" numCol="1" spcCol="1270" anchor="ctr" anchorCtr="0">
+        <a:bodyPr spcFirstLastPara="0" vert="horz" wrap="square" lIns="49784" tIns="4445" rIns="4445" bIns="4445" numCol="1" spcCol="1270" anchor="ctr" anchorCtr="0">
           <a:noAutofit/>
         </a:bodyPr>
         <a:lstStyle/>
         <a:p>
-          <a:pPr marL="57150" lvl="1" indent="-57150" algn="l" defTabSz="400050">
+          <a:pPr marL="57150" lvl="1" indent="-57150" algn="l" defTabSz="311150">
             <a:lnSpc>
               <a:spcPct val="90000"/>
             </a:lnSpc>
@@ -2296,12 +2319,12 @@
             <a:buChar char="•"/>
           </a:pPr>
           <a:r>
-            <a:rPr lang="en-US" sz="900" kern="1200" dirty="0"/>
+            <a:rPr lang="en-US" sz="700" kern="1200" dirty="0"/>
             <a:t>Average Intensity</a:t>
           </a:r>
         </a:p>
         <a:p>
-          <a:pPr marL="57150" lvl="1" indent="-57150" algn="l" defTabSz="400050">
+          <a:pPr marL="57150" lvl="1" indent="-57150" algn="l" defTabSz="311150">
             <a:lnSpc>
               <a:spcPct val="90000"/>
             </a:lnSpc>
@@ -2314,20 +2337,13 @@
             <a:buChar char="•"/>
           </a:pPr>
           <a:r>
-            <a:rPr lang="en-US" sz="900" kern="1200" dirty="0"/>
-            <a:t>heatmap (for this, it’s a good idea to substitute </a:t>
+            <a:rPr lang="en-US" sz="700" kern="1200"/>
+            <a:t>boxplots</a:t>
           </a:r>
-          <a:r>
-            <a:rPr lang="en-US" sz="900" kern="1200" dirty="0" err="1"/>
-            <a:t>requants</a:t>
-          </a:r>
-          <a:r>
-            <a:rPr lang="en-US" sz="900" kern="1200" dirty="0"/>
-            <a:t> (now NAs with numeric value different from the initial)</a:t>
-          </a:r>
-        </a:p>
-        <a:p>
-          <a:pPr marL="57150" lvl="1" indent="-57150" algn="l" defTabSz="400050">
+          <a:endParaRPr lang="en-US" sz="700" kern="1200" dirty="0"/>
+        </a:p>
+        <a:p>
+          <a:pPr marL="57150" lvl="1" indent="-57150" algn="l" defTabSz="311150">
             <a:lnSpc>
               <a:spcPct val="90000"/>
             </a:lnSpc>
@@ -2340,12 +2356,16 @@
             <a:buChar char="•"/>
           </a:pPr>
           <a:r>
-            <a:rPr lang="en-US" sz="900" kern="1200" dirty="0"/>
-            <a:t>boxplots</a:t>
+            <a:rPr lang="en-US" sz="700" kern="1200" dirty="0" err="1"/>
+            <a:t>hierarchica</a:t>
           </a:r>
-        </a:p>
-        <a:p>
-          <a:pPr marL="57150" lvl="1" indent="-57150" algn="l" defTabSz="400050">
+          <a:r>
+            <a:rPr lang="en-US" sz="700" kern="1200" dirty="0"/>
+            <a:t> clustering of peptides labelled with all covariates</a:t>
+          </a:r>
+        </a:p>
+        <a:p>
+          <a:pPr marL="57150" lvl="1" indent="-57150" algn="l" defTabSz="311150">
             <a:lnSpc>
               <a:spcPct val="90000"/>
             </a:lnSpc>
@@ -2358,10 +2378,57 @@
             <a:buChar char="•"/>
           </a:pPr>
           <a:r>
-            <a:rPr lang="en-US" sz="900" kern="1200" dirty="0" err="1"/>
-            <a:t>iRTs</a:t>
+            <a:rPr lang="en-US" sz="700" kern="1200" dirty="0"/>
+            <a:t>heatmap (for this, it’s a good idea to substitute </a:t>
           </a:r>
-          <a:endParaRPr lang="en-US" sz="900" kern="1200" dirty="0"/>
+          <a:r>
+            <a:rPr lang="en-US" sz="700" kern="1200" dirty="0" err="1"/>
+            <a:t>requants</a:t>
+          </a:r>
+          <a:r>
+            <a:rPr lang="en-US" sz="700" kern="1200" dirty="0"/>
+            <a:t> (now NAs with numeric value different from the initial)</a:t>
+          </a:r>
+        </a:p>
+        <a:p>
+          <a:pPr marL="57150" lvl="1" indent="-57150" algn="l" defTabSz="311150">
+            <a:lnSpc>
+              <a:spcPct val="90000"/>
+            </a:lnSpc>
+            <a:spcBef>
+              <a:spcPct val="0"/>
+            </a:spcBef>
+            <a:spcAft>
+              <a:spcPct val="15000"/>
+            </a:spcAft>
+            <a:buChar char="•"/>
+          </a:pPr>
+          <a:r>
+            <a:rPr lang="en-US" sz="700" kern="1200" dirty="0" err="1"/>
+            <a:t>iRT</a:t>
+          </a:r>
+          <a:r>
+            <a:rPr lang="en-US" sz="700" kern="1200" dirty="0"/>
+            <a:t> peptides</a:t>
+          </a:r>
+        </a:p>
+        <a:p>
+          <a:pPr marL="57150" lvl="1" indent="-57150" algn="l" defTabSz="311150">
+            <a:lnSpc>
+              <a:spcPct val="90000"/>
+            </a:lnSpc>
+            <a:spcBef>
+              <a:spcPct val="0"/>
+            </a:spcBef>
+            <a:spcAft>
+              <a:spcPct val="15000"/>
+            </a:spcAft>
+            <a:buChar char="•"/>
+          </a:pPr>
+          <a:r>
+            <a:rPr lang="en-US" sz="700" kern="1200" dirty="0"/>
+            <a:t>replicate diagnostics</a:t>
+          </a:r>
         </a:p>
       </dsp:txBody>
       <dsp:txXfrm rot="-5400000">
@@ -2496,12 +2563,12 @@
         <a:fontRef idx="minor"/>
       </dsp:style>
       <dsp:txBody>
-        <a:bodyPr spcFirstLastPara="0" vert="horz" wrap="square" lIns="64008" tIns="5715" rIns="5715" bIns="5715" numCol="1" spcCol="1270" anchor="ctr" anchorCtr="0">
+        <a:bodyPr spcFirstLastPara="0" vert="horz" wrap="square" lIns="49784" tIns="4445" rIns="4445" bIns="4445" numCol="1" spcCol="1270" anchor="ctr" anchorCtr="0">
           <a:noAutofit/>
         </a:bodyPr>
         <a:lstStyle/>
         <a:p>
-          <a:pPr marL="57150" lvl="1" indent="-57150" algn="l" defTabSz="400050">
+          <a:pPr marL="57150" lvl="1" indent="-57150" algn="l" defTabSz="311150">
             <a:lnSpc>
               <a:spcPct val="90000"/>
             </a:lnSpc>
@@ -2514,12 +2581,12 @@
             <a:buChar char="•"/>
           </a:pPr>
           <a:r>
-            <a:rPr lang="en-US" sz="900" kern="1200" dirty="0"/>
-            <a:t>hierarchical clustering labelled with all covariates</a:t>
+            <a:rPr lang="en-US" sz="700" kern="1200" dirty="0"/>
+            <a:t>PCA – color by biological and technical covariates</a:t>
           </a:r>
         </a:p>
         <a:p>
-          <a:pPr marL="57150" lvl="1" indent="-57150" algn="l" defTabSz="400050">
+          <a:pPr marL="57150" lvl="1" indent="-57150" algn="l" defTabSz="311150">
             <a:lnSpc>
               <a:spcPct val="90000"/>
             </a:lnSpc>
@@ -2532,12 +2599,12 @@
             <a:buChar char="•"/>
           </a:pPr>
           <a:r>
-            <a:rPr lang="en-US" sz="900" kern="1200" dirty="0"/>
-            <a:t>PCA – color by biological and technical covariates</a:t>
+            <a:rPr lang="en-US" sz="700" kern="1200" dirty="0"/>
+            <a:t> quantify the effects with PVCA</a:t>
           </a:r>
         </a:p>
         <a:p>
-          <a:pPr marL="57150" lvl="1" indent="-57150" algn="l" defTabSz="400050">
+          <a:pPr marL="57150" lvl="1" indent="-57150" algn="l" defTabSz="311150">
             <a:lnSpc>
               <a:spcPct val="90000"/>
             </a:lnSpc>
@@ -2550,12 +2617,12 @@
             <a:buChar char="•"/>
           </a:pPr>
           <a:r>
-            <a:rPr lang="en-US" sz="900" kern="1200" dirty="0"/>
-            <a:t> quantify the effects with PVCA</a:t>
+            <a:rPr lang="en-US" sz="700" kern="1200" dirty="0"/>
+            <a:t>Bovine (Spike-ins)</a:t>
           </a:r>
         </a:p>
         <a:p>
-          <a:pPr marL="57150" lvl="1" indent="-57150" algn="l" defTabSz="400050">
+          <a:pPr marL="57150" lvl="1" indent="-57150" algn="l" defTabSz="311150">
             <a:lnSpc>
               <a:spcPct val="90000"/>
             </a:lnSpc>
@@ -2568,25 +2635,7 @@
             <a:buChar char="•"/>
           </a:pPr>
           <a:r>
-            <a:rPr lang="en-US" sz="900" kern="1200" dirty="0"/>
-            <a:t>Bovine (Spike-ins)</a:t>
-          </a:r>
-        </a:p>
-        <a:p>
-          <a:pPr marL="57150" lvl="1" indent="-57150" algn="l" defTabSz="400050">
-            <a:lnSpc>
-              <a:spcPct val="90000"/>
-            </a:lnSpc>
-            <a:spcBef>
-              <a:spcPct val="0"/>
-            </a:spcBef>
-            <a:spcAft>
-              <a:spcPct val="15000"/>
-            </a:spcAft>
-            <a:buChar char="•"/>
-          </a:pPr>
-          <a:r>
-            <a:rPr lang="en-US" sz="900" kern="1200" dirty="0"/>
+            <a:rPr lang="en-US" sz="700" kern="1200" dirty="0"/>
             <a:t>random proteins</a:t>
           </a:r>
         </a:p>
@@ -2723,12 +2772,12 @@
         <a:fontRef idx="minor"/>
       </dsp:style>
       <dsp:txBody>
-        <a:bodyPr spcFirstLastPara="0" vert="horz" wrap="square" lIns="64008" tIns="5715" rIns="5715" bIns="5715" numCol="1" spcCol="1270" anchor="ctr" anchorCtr="0">
+        <a:bodyPr spcFirstLastPara="0" vert="horz" wrap="square" lIns="49784" tIns="4445" rIns="4445" bIns="4445" numCol="1" spcCol="1270" anchor="ctr" anchorCtr="0">
           <a:noAutofit/>
         </a:bodyPr>
         <a:lstStyle/>
         <a:p>
-          <a:pPr marL="57150" lvl="1" indent="-57150" algn="l" defTabSz="400050">
+          <a:pPr marL="57150" lvl="1" indent="-57150" algn="l" defTabSz="311150">
             <a:lnSpc>
               <a:spcPct val="90000"/>
             </a:lnSpc>
@@ -2741,12 +2790,12 @@
             <a:buChar char="•"/>
           </a:pPr>
           <a:r>
-            <a:rPr lang="en-US" sz="900" kern="1200" dirty="0"/>
+            <a:rPr lang="en-US" sz="700" kern="1200" dirty="0"/>
             <a:t>quantile normalization</a:t>
           </a:r>
         </a:p>
         <a:p>
-          <a:pPr marL="57150" lvl="1" indent="-57150" algn="l" defTabSz="400050">
+          <a:pPr marL="57150" lvl="1" indent="-57150" algn="l" defTabSz="311150">
             <a:lnSpc>
               <a:spcPct val="90000"/>
             </a:lnSpc>
@@ -2759,25 +2808,25 @@
             <a:buChar char="•"/>
           </a:pPr>
           <a:r>
-            <a:rPr lang="en-US" sz="900" kern="1200" dirty="0"/>
+            <a:rPr lang="en-US" sz="700" kern="1200" dirty="0"/>
             <a:t>non-linear + </a:t>
           </a:r>
           <a:r>
-            <a:rPr lang="en-US" sz="900" kern="1200" dirty="0" err="1"/>
+            <a:rPr lang="en-US" sz="700" kern="1200" dirty="0" err="1"/>
             <a:t>ComBat</a:t>
           </a:r>
           <a:r>
-            <a:rPr lang="en-US" sz="900" kern="1200" dirty="0"/>
+            <a:rPr lang="en-US" sz="700" kern="1200" dirty="0"/>
             <a:t> / </a:t>
           </a:r>
           <a:r>
-            <a:rPr lang="en-US" sz="900" kern="1200" dirty="0" err="1"/>
+            <a:rPr lang="en-US" sz="700" kern="1200" dirty="0" err="1"/>
             <a:t>ComBat</a:t>
           </a:r>
-          <a:endParaRPr lang="en-US" sz="900" kern="1200" dirty="0"/>
-        </a:p>
-        <a:p>
-          <a:pPr marL="114300" lvl="2" indent="-57150" algn="l" defTabSz="400050">
+          <a:endParaRPr lang="en-US" sz="700" kern="1200" dirty="0"/>
+        </a:p>
+        <a:p>
+          <a:pPr marL="114300" lvl="2" indent="-57150" algn="l" defTabSz="311150">
             <a:lnSpc>
               <a:spcPct val="90000"/>
             </a:lnSpc>
@@ -2790,15 +2839,15 @@
             <a:buChar char="•"/>
           </a:pPr>
           <a:r>
-            <a:rPr lang="en-US" sz="900" kern="1200" dirty="0"/>
+            <a:rPr lang="en-US" sz="700" kern="1200" dirty="0"/>
             <a:t>When using </a:t>
           </a:r>
           <a:r>
-            <a:rPr lang="en-US" sz="900" kern="1200" dirty="0" err="1"/>
+            <a:rPr lang="en-US" sz="700" kern="1200" dirty="0" err="1"/>
             <a:t>ComBat</a:t>
           </a:r>
           <a:r>
-            <a:rPr lang="en-US" sz="900" kern="1200" dirty="0"/>
+            <a:rPr lang="en-US" sz="700" kern="1200" dirty="0"/>
             <a:t>, make sure you remove the peptides missing in the whole batch</a:t>
           </a:r>
         </a:p>
@@ -2935,12 +2984,12 @@
         <a:fontRef idx="minor"/>
       </dsp:style>
       <dsp:txBody>
-        <a:bodyPr spcFirstLastPara="0" vert="horz" wrap="square" lIns="64008" tIns="5715" rIns="5715" bIns="5715" numCol="1" spcCol="1270" anchor="ctr" anchorCtr="0">
+        <a:bodyPr spcFirstLastPara="0" vert="horz" wrap="square" lIns="49784" tIns="4445" rIns="4445" bIns="4445" numCol="1" spcCol="1270" anchor="ctr" anchorCtr="0">
           <a:noAutofit/>
         </a:bodyPr>
         <a:lstStyle/>
         <a:p>
-          <a:pPr marL="57150" lvl="1" indent="-57150" algn="l" defTabSz="400050">
+          <a:pPr marL="57150" lvl="1" indent="-57150" algn="l" defTabSz="311150">
             <a:lnSpc>
               <a:spcPct val="90000"/>
             </a:lnSpc>
@@ -2953,13 +3002,13 @@
             <a:buChar char="•"/>
           </a:pPr>
           <a:r>
-            <a:rPr lang="en-US" sz="900" kern="1200" dirty="0" err="1"/>
+            <a:rPr lang="en-US" sz="700" kern="1200" dirty="0" err="1"/>
             <a:t>iRT</a:t>
           </a:r>
-          <a:endParaRPr lang="en-US" sz="900" kern="1200" dirty="0"/>
-        </a:p>
-        <a:p>
-          <a:pPr marL="57150" lvl="1" indent="-57150" algn="l" defTabSz="400050">
+          <a:endParaRPr lang="en-US" sz="700" kern="1200" dirty="0"/>
+        </a:p>
+        <a:p>
+          <a:pPr marL="57150" lvl="1" indent="-57150" algn="l" defTabSz="311150">
             <a:lnSpc>
               <a:spcPct val="90000"/>
             </a:lnSpc>
@@ -2972,12 +3021,12 @@
             <a:buChar char="•"/>
           </a:pPr>
           <a:r>
-            <a:rPr lang="en-US" sz="900" kern="1200" dirty="0"/>
+            <a:rPr lang="en-US" sz="700" kern="1200" dirty="0"/>
             <a:t>some random protein/peptide</a:t>
           </a:r>
         </a:p>
         <a:p>
-          <a:pPr marL="57150" lvl="1" indent="-57150" algn="l" defTabSz="400050">
+          <a:pPr marL="57150" lvl="1" indent="-57150" algn="l" defTabSz="311150">
             <a:lnSpc>
               <a:spcPct val="90000"/>
             </a:lnSpc>
@@ -2990,14 +3039,14 @@
             <a:buChar char="•"/>
           </a:pPr>
           <a:r>
-            <a:rPr lang="en-US" sz="900" kern="1200" dirty="0"/>
+            <a:rPr lang="en-US" sz="700" kern="1200" dirty="0"/>
             <a:t>clustering, PCA, PVCA, </a:t>
           </a:r>
           <a:r>
-            <a:rPr lang="en-US" sz="900" kern="1200" dirty="0" err="1"/>
+            <a:rPr lang="en-US" sz="700" kern="1200" dirty="0" err="1"/>
             <a:t>tSNE</a:t>
           </a:r>
-          <a:endParaRPr lang="en-US" sz="900" kern="1200" dirty="0"/>
+          <a:endParaRPr lang="en-US" sz="700" kern="1200" dirty="0"/>
         </a:p>
       </dsp:txBody>
       <dsp:txXfrm rot="-5400000">
@@ -4430,7 +4479,7 @@
           <a:p>
             <a:fld id="{891CD133-57DA-3749-A499-710D0185FE3E}" type="datetimeFigureOut">
               <a:rPr lang="en-US" smtClean="0"/>
-              <a:t>4/24/18</a:t>
+              <a:t>4/27/18</a:t>
             </a:fld>
             <a:endParaRPr lang="en-US"/>
           </a:p>
@@ -4600,7 +4649,7 @@
           <a:p>
             <a:fld id="{891CD133-57DA-3749-A499-710D0185FE3E}" type="datetimeFigureOut">
               <a:rPr lang="en-US" smtClean="0"/>
-              <a:t>4/24/18</a:t>
+              <a:t>4/27/18</a:t>
             </a:fld>
             <a:endParaRPr lang="en-US"/>
           </a:p>
@@ -4780,7 +4829,7 @@
           <a:p>
             <a:fld id="{891CD133-57DA-3749-A499-710D0185FE3E}" type="datetimeFigureOut">
               <a:rPr lang="en-US" smtClean="0"/>
-              <a:t>4/24/18</a:t>
+              <a:t>4/27/18</a:t>
             </a:fld>
             <a:endParaRPr lang="en-US"/>
           </a:p>
@@ -4950,7 +4999,7 @@
           <a:p>
             <a:fld id="{891CD133-57DA-3749-A499-710D0185FE3E}" type="datetimeFigureOut">
               <a:rPr lang="en-US" smtClean="0"/>
-              <a:t>4/24/18</a:t>
+              <a:t>4/27/18</a:t>
             </a:fld>
             <a:endParaRPr lang="en-US"/>
           </a:p>
@@ -5194,7 +5243,7 @@
           <a:p>
             <a:fld id="{891CD133-57DA-3749-A499-710D0185FE3E}" type="datetimeFigureOut">
               <a:rPr lang="en-US" smtClean="0"/>
-              <a:t>4/24/18</a:t>
+              <a:t>4/27/18</a:t>
             </a:fld>
             <a:endParaRPr lang="en-US"/>
           </a:p>
@@ -5426,7 +5475,7 @@
           <a:p>
             <a:fld id="{891CD133-57DA-3749-A499-710D0185FE3E}" type="datetimeFigureOut">
               <a:rPr lang="en-US" smtClean="0"/>
-              <a:t>4/24/18</a:t>
+              <a:t>4/27/18</a:t>
             </a:fld>
             <a:endParaRPr lang="en-US"/>
           </a:p>
@@ -5793,7 +5842,7 @@
           <a:p>
             <a:fld id="{891CD133-57DA-3749-A499-710D0185FE3E}" type="datetimeFigureOut">
               <a:rPr lang="en-US" smtClean="0"/>
-              <a:t>4/24/18</a:t>
+              <a:t>4/27/18</a:t>
             </a:fld>
             <a:endParaRPr lang="en-US"/>
           </a:p>
@@ -5911,7 +5960,7 @@
           <a:p>
             <a:fld id="{891CD133-57DA-3749-A499-710D0185FE3E}" type="datetimeFigureOut">
               <a:rPr lang="en-US" smtClean="0"/>
-              <a:t>4/24/18</a:t>
+              <a:t>4/27/18</a:t>
             </a:fld>
             <a:endParaRPr lang="en-US"/>
           </a:p>
@@ -6006,7 +6055,7 @@
           <a:p>
             <a:fld id="{891CD133-57DA-3749-A499-710D0185FE3E}" type="datetimeFigureOut">
               <a:rPr lang="en-US" smtClean="0"/>
-              <a:t>4/24/18</a:t>
+              <a:t>4/27/18</a:t>
             </a:fld>
             <a:endParaRPr lang="en-US"/>
           </a:p>
@@ -6283,7 +6332,7 @@
           <a:p>
             <a:fld id="{891CD133-57DA-3749-A499-710D0185FE3E}" type="datetimeFigureOut">
               <a:rPr lang="en-US" smtClean="0"/>
-              <a:t>4/24/18</a:t>
+              <a:t>4/27/18</a:t>
             </a:fld>
             <a:endParaRPr lang="en-US"/>
           </a:p>
@@ -6540,7 +6589,7 @@
           <a:p>
             <a:fld id="{891CD133-57DA-3749-A499-710D0185FE3E}" type="datetimeFigureOut">
               <a:rPr lang="en-US" smtClean="0"/>
-              <a:t>4/24/18</a:t>
+              <a:t>4/27/18</a:t>
             </a:fld>
             <a:endParaRPr lang="en-US"/>
           </a:p>
@@ -6753,7 +6802,7 @@
           <a:p>
             <a:fld id="{891CD133-57DA-3749-A499-710D0185FE3E}" type="datetimeFigureOut">
               <a:rPr lang="en-US" smtClean="0"/>
-              <a:t>4/24/18</a:t>
+              <a:t>4/27/18</a:t>
             </a:fld>
             <a:endParaRPr lang="en-US"/>
           </a:p>
@@ -7169,7 +7218,11 @@
           </p:cNvPr>
           <p:cNvGraphicFramePr/>
           <p:nvPr>
-            <p:extLst/>
+            <p:extLst>
+              <p:ext uri="{D42A27DB-BD31-4B8C-83A1-F6EECF244321}">
+                <p14:modId xmlns:p14="http://schemas.microsoft.com/office/powerpoint/2010/main" val="3039363146"/>
+              </p:ext>
+            </p:extLst>
           </p:nvPr>
         </p:nvGraphicFramePr>
         <p:xfrm>
